--- a/HUST-Theme-PPT/v3顶边白底16-9.pptx
+++ b/HUST-Theme-PPT/v3顶边白底16-9.pptx
@@ -422,7 +422,7 @@
             </a:pPr>
             <a:fld id="{E4551058-E5DB-324A-A8E9-6D3BEF243C3B}" type="datetimeFigureOut">
               <a:rPr kumimoji="1" lang="zh-CN" altLang="en-US" smtClean="0"/>
-              <a:t>2026/1/5</a:t>
+              <a:t>2026/1/18</a:t>
             </a:fld>
             <a:endParaRPr kumimoji="1" lang="zh-CN" altLang="en-US"/>
           </a:p>
@@ -829,7 +829,7 @@
             </a:pPr>
             <a:fld id="{E4551058-E5DB-324A-A8E9-6D3BEF243C3B}" type="datetimeFigureOut">
               <a:rPr kumimoji="1" lang="zh-CN" altLang="en-US" smtClean="0"/>
-              <a:t>2026/1/5</a:t>
+              <a:t>2026/1/18</a:t>
             </a:fld>
             <a:endParaRPr kumimoji="1" lang="zh-CN" altLang="en-US"/>
           </a:p>
@@ -1116,7 +1116,7 @@
             </a:pPr>
             <a:fld id="{E4551058-E5DB-324A-A8E9-6D3BEF243C3B}" type="datetimeFigureOut">
               <a:rPr kumimoji="1" lang="zh-CN" altLang="en-US" smtClean="0"/>
-              <a:t>2026/1/5</a:t>
+              <a:t>2026/1/18</a:t>
             </a:fld>
             <a:endParaRPr kumimoji="1" lang="zh-CN" altLang="en-US"/>
           </a:p>
@@ -1518,7 +1518,7 @@
             </a:pPr>
             <a:fld id="{E4551058-E5DB-324A-A8E9-6D3BEF243C3B}" type="datetimeFigureOut">
               <a:rPr kumimoji="1" lang="zh-CN" altLang="en-US" smtClean="0"/>
-              <a:t>2026/1/5</a:t>
+              <a:t>2026/1/18</a:t>
             </a:fld>
             <a:endParaRPr kumimoji="1" lang="zh-CN" altLang="en-US"/>
           </a:p>
@@ -1755,7 +1755,7 @@
             </a:pPr>
             <a:fld id="{E4551058-E5DB-324A-A8E9-6D3BEF243C3B}" type="datetimeFigureOut">
               <a:rPr kumimoji="1" lang="zh-CN" altLang="en-US" smtClean="0"/>
-              <a:t>2026/1/5</a:t>
+              <a:t>2026/1/18</a:t>
             </a:fld>
             <a:endParaRPr kumimoji="1" lang="zh-CN" altLang="en-US"/>
           </a:p>
@@ -1987,7 +1987,7 @@
             </a:pPr>
             <a:fld id="{E4551058-E5DB-324A-A8E9-6D3BEF243C3B}" type="datetimeFigureOut">
               <a:rPr kumimoji="1" lang="zh-CN" altLang="en-US" smtClean="0"/>
-              <a:t>2026/1/5</a:t>
+              <a:t>2026/1/18</a:t>
             </a:fld>
             <a:endParaRPr kumimoji="1" lang="zh-CN" altLang="en-US"/>
           </a:p>
@@ -2567,7 +2567,7 @@
             </a:pPr>
             <a:fld id="{E4551058-E5DB-324A-A8E9-6D3BEF243C3B}" type="datetimeFigureOut">
               <a:rPr kumimoji="1" lang="zh-CN" altLang="en-US" smtClean="0"/>
-              <a:t>2026/1/5</a:t>
+              <a:t>2026/1/18</a:t>
             </a:fld>
             <a:endParaRPr kumimoji="1" lang="zh-CN" altLang="en-US" dirty="0"/>
           </a:p>
@@ -2951,7 +2951,7 @@
             </a:pPr>
             <a:fld id="{E4551058-E5DB-324A-A8E9-6D3BEF243C3B}" type="datetimeFigureOut">
               <a:rPr kumimoji="1" lang="zh-CN" altLang="en-US" smtClean="0"/>
-              <a:t>2026/1/5</a:t>
+              <a:t>2026/1/18</a:t>
             </a:fld>
             <a:endParaRPr kumimoji="1" lang="zh-CN" altLang="en-US"/>
           </a:p>
@@ -3466,7 +3466,7 @@
             </a:pPr>
             <a:fld id="{E4551058-E5DB-324A-A8E9-6D3BEF243C3B}" type="datetimeFigureOut">
               <a:rPr kumimoji="1" lang="zh-CN" altLang="en-US" smtClean="0"/>
-              <a:t>2026/1/5</a:t>
+              <a:t>2026/1/18</a:t>
             </a:fld>
             <a:endParaRPr kumimoji="1" lang="zh-CN" altLang="en-US"/>
           </a:p>
@@ -3637,7 +3637,7 @@
             </a:pPr>
             <a:fld id="{E4551058-E5DB-324A-A8E9-6D3BEF243C3B}" type="datetimeFigureOut">
               <a:rPr kumimoji="1" lang="zh-CN" altLang="en-US" smtClean="0"/>
-              <a:t>2026/1/5</a:t>
+              <a:t>2026/1/18</a:t>
             </a:fld>
             <a:endParaRPr kumimoji="1" lang="zh-CN" altLang="en-US"/>
           </a:p>
@@ -3808,7 +3808,7 @@
             </a:pPr>
             <a:fld id="{E4551058-E5DB-324A-A8E9-6D3BEF243C3B}" type="datetimeFigureOut">
               <a:rPr kumimoji="1" lang="zh-CN" altLang="en-US" smtClean="0"/>
-              <a:t>2026/1/5</a:t>
+              <a:t>2026/1/18</a:t>
             </a:fld>
             <a:endParaRPr kumimoji="1" lang="zh-CN" altLang="en-US"/>
           </a:p>
@@ -4348,7 +4348,7 @@
             </a:pPr>
             <a:fld id="{E4551058-E5DB-324A-A8E9-6D3BEF243C3B}" type="datetimeFigureOut">
               <a:rPr kumimoji="1" lang="zh-CN" altLang="en-US" smtClean="0"/>
-              <a:t>2026/1/5</a:t>
+              <a:t>2026/1/18</a:t>
             </a:fld>
             <a:endParaRPr kumimoji="1" lang="zh-CN" altLang="en-US" dirty="0"/>
           </a:p>
@@ -4701,7 +4701,7 @@
             </a:pPr>
             <a:fld id="{E4551058-E5DB-324A-A8E9-6D3BEF243C3B}" type="datetimeFigureOut">
               <a:rPr kumimoji="1" lang="zh-CN" altLang="en-US" smtClean="0"/>
-              <a:t>2026/1/5</a:t>
+              <a:t>2026/1/18</a:t>
             </a:fld>
             <a:endParaRPr kumimoji="1" lang="zh-CN" altLang="en-US"/>
           </a:p>
@@ -5382,7 +5382,7 @@
               <a:rPr lang="zh-CN" altLang="en-US" dirty="0">
                 <a:solidFill/>
               </a:rPr>
-              <a:t>清华简约主题</a:t>
+              <a:t>华科简约主题</a:t>
             </a:r>
             <a:r>
               <a:rPr lang="en-US" altLang="zh-CN" dirty="0">
@@ -5452,10 +5452,24 @@
               </a:defRPr>
             </a:pPr>
             <a:r>
+              <a:rPr lang="en-US" altLang="zh-CN" dirty="0" err="1">
+                <a:solidFill/>
+              </a:rPr>
+              <a:t>zhu</a:t>
+            </a:r>
+            <a:endParaRPr lang="en-US" altLang="zh-CN" dirty="0"/>
+          </a:p>
+          <a:p>
+            <a:pPr>
+              <a:defRPr>
+                <a:solidFill/>
+              </a:defRPr>
+            </a:pPr>
+            <a:r>
               <a:rPr lang="zh-CN" altLang="en-US" dirty="0">
                 <a:solidFill/>
               </a:rPr>
-              <a:t>朱亮</a:t>
+              <a:t>计算机系</a:t>
             </a:r>
             <a:endParaRPr lang="en-US" altLang="zh-CN" dirty="0"/>
           </a:p>
@@ -5466,24 +5480,10 @@
               </a:defRPr>
             </a:pPr>
             <a:r>
-              <a:rPr lang="zh-CN" altLang="en-US">
-                <a:solidFill/>
-              </a:rPr>
-              <a:t>计算机系</a:t>
-            </a:r>
-            <a:endParaRPr lang="en-US" altLang="zh-CN" dirty="0"/>
-          </a:p>
-          <a:p>
-            <a:pPr>
-              <a:defRPr>
-                <a:solidFill/>
-              </a:defRPr>
-            </a:pPr>
-            <a:r>
               <a:rPr lang="en-US" altLang="zh-CN" dirty="0">
                 <a:solidFill/>
               </a:rPr>
-              <a:t>2022</a:t>
+              <a:t>2026</a:t>
             </a:r>
             <a:r>
               <a:rPr lang="zh-CN" altLang="en-US" dirty="0">
@@ -5495,7 +5495,7 @@
               <a:rPr lang="en-US" altLang="zh-CN" dirty="0">
                 <a:solidFill/>
               </a:rPr>
-              <a:t>6</a:t>
+              <a:t>1</a:t>
             </a:r>
             <a:r>
               <a:rPr lang="zh-CN" altLang="en-US" dirty="0">
@@ -5507,7 +5507,7 @@
               <a:rPr lang="en-US" altLang="zh-CN" dirty="0">
                 <a:solidFill/>
               </a:rPr>
-              <a:t>5</a:t>
+              <a:t>18</a:t>
             </a:r>
             <a:r>
               <a:rPr lang="zh-CN" altLang="en-US" dirty="0">
@@ -5770,7 +5770,7 @@
               <a:rPr kumimoji="1" lang="zh-CN" altLang="en-US" dirty="0">
                 <a:solidFill/>
               </a:rPr>
-              <a:t>本清华主题模板实际上编辑了幻灯片母版，使图案和配色固定下来，使用时可类似于使用</a:t>
+              <a:t>本华科主题模板实际上编辑了幻灯片母版，使图案和配色固定下来，使用时可类似于使用</a:t>
             </a:r>
             <a:r>
               <a:rPr kumimoji="1" lang="en-US" altLang="zh-CN" dirty="0">
@@ -5829,7 +5829,7 @@
                 <a:solidFill/>
                 <a:hlinkClick r:id="rId2"/>
               </a:rPr>
-              <a:t>https://github.com/atomiechen/THU-PPT-Theme</a:t>
+              <a:t>https://github.com/LSTM-zhul/HUST-PPT</a:t>
             </a:r>
             <a:endParaRPr kumimoji="1" lang="en-US" altLang="zh-CN" dirty="0"/>
           </a:p>
@@ -6038,7 +6038,7 @@
               <a:rPr kumimoji="1" lang="zh-CN" altLang="en-US" dirty="0">
                 <a:solidFill/>
               </a:rPr>
-              <a:t>东五楼终于迎来了第一批在籍毕业生</a:t>
+              <a:t>东五楼又迎来了一批在籍毕业生</a:t>
             </a:r>
             <a:endParaRPr kumimoji="1" lang="en-US" altLang="zh-CN" dirty="0"/>
           </a:p>
@@ -6052,7 +6052,7 @@
               <a:rPr kumimoji="1" lang="zh-CN" altLang="en-US" dirty="0">
                 <a:solidFill/>
               </a:rPr>
-              <a:t>扫地机科学与技术</a:t>
+              <a:t>异构多智能体协同</a:t>
             </a:r>
             <a:endParaRPr kumimoji="1" lang="en-US" altLang="zh-CN" dirty="0"/>
           </a:p>
@@ -6095,7 +6095,7 @@
                 <a:solidFill/>
                 <a:hlinkClick r:id="rId2"/>
               </a:rPr>
-              <a:t>https://github.com/atomiechen/THU-PPT-Theme</a:t>
+              <a:t>https://github.com/LSTM-zhul/HUST-PPT</a:t>
             </a:r>
             <a:endParaRPr kumimoji="1" lang="en-US" altLang="zh-CN" dirty="0"/>
           </a:p>
@@ -6203,57 +6203,30 @@
               <a:rPr kumimoji="1" lang="en" altLang="zh-CN" dirty="0">
                 <a:solidFill/>
               </a:rPr>
-              <a:t>Weihao CHEN from Xinya College</a:t>
-            </a:r>
-          </a:p>
-          <a:p>
-            <a:pPr>
-              <a:defRPr>
-                <a:solidFill/>
-              </a:defRPr>
-            </a:pPr>
-            <a:r>
-              <a:rPr kumimoji="1" lang="en-US" altLang="zh-CN" dirty="0">
-                <a:solidFill/>
-              </a:rPr>
-              <a:t>Sweeper</a:t>
-            </a:r>
-            <a:r>
-              <a:rPr kumimoji="1" lang="zh-CN" altLang="en-US" dirty="0">
-                <a:solidFill/>
-              </a:rPr>
+              <a:t>liang zhu from HUST </a:t>
+            </a:r>
+          </a:p>
+          <a:p>
+            <a:pPr>
+              <a:defRPr>
+                <a:solidFill/>
+              </a:defRPr>
+            </a:pPr>
+            <a:r>
+              <a:rPr lang="en" altLang="zh-CN" dirty="0"/>
+              <a:t>Heterogeneous</a:t>
+            </a:r>
+            <a:r>
+              <a:rPr lang="zh-CN" altLang="en-US" dirty="0"/>
               <a:t> </a:t>
             </a:r>
             <a:r>
-              <a:rPr kumimoji="1" lang="en-US" altLang="zh-CN" dirty="0">
-                <a:solidFill/>
-              </a:rPr>
-              <a:t>Science</a:t>
-            </a:r>
-            <a:r>
-              <a:rPr kumimoji="1" lang="zh-CN" altLang="en-US" dirty="0">
-                <a:solidFill/>
-              </a:rPr>
-              <a:t> </a:t>
-            </a:r>
-            <a:r>
-              <a:rPr kumimoji="1" lang="en-US" altLang="zh-CN" dirty="0">
-                <a:solidFill/>
-              </a:rPr>
-              <a:t>and</a:t>
-            </a:r>
-            <a:r>
-              <a:rPr kumimoji="1" lang="zh-CN" altLang="en-US" dirty="0">
-                <a:solidFill/>
-              </a:rPr>
-              <a:t> </a:t>
-            </a:r>
-            <a:r>
-              <a:rPr kumimoji="1" lang="en-US" altLang="zh-CN" dirty="0">
-                <a:solidFill/>
-              </a:rPr>
-              <a:t>Technology</a:t>
-            </a:r>
+              <a:rPr lang="en-US" altLang="zh-CN" dirty="0"/>
+              <a:t>multi-agents</a:t>
+            </a:r>
+            <a:endParaRPr kumimoji="1" lang="en-US" altLang="zh-CN" dirty="0">
+              <a:solidFill/>
+            </a:endParaRPr>
           </a:p>
           <a:p>
             <a:pPr>
@@ -6373,7 +6346,7 @@
               <a:rPr kumimoji="1" lang="zh-CN" altLang="en-US" dirty="0">
                 <a:solidFill/>
               </a:rPr>
-              <a:t>艾敝舍</a:t>
+              <a:t>紫菘舍</a:t>
             </a:r>
           </a:p>
         </p:txBody>
@@ -6492,39 +6465,6 @@
           </a:p>
         </p:txBody>
       </p:sp>
-      <p:pic>
-        <p:nvPicPr>
-          <p:cNvPr id="3" name="图片 2">
-            <a:extLst>
-              <a:ext uri="{FF2B5EF4-FFF2-40B4-BE49-F238E27FC236}">
-                <a16:creationId xmlns:a16="http://schemas.microsoft.com/office/drawing/2014/main" id="{06270E96-ACC1-CF45-9EDE-9F2F47E8FF17}"/>
-              </a:ext>
-            </a:extLst>
-          </p:cNvPr>
-          <p:cNvPicPr>
-            <a:picLocks noChangeAspect="1"/>
-          </p:cNvPicPr>
-          <p:nvPr/>
-        </p:nvPicPr>
-        <p:blipFill>
-          <a:blip r:embed="rId2"/>
-          <a:stretch>
-            <a:fillRect/>
-          </a:stretch>
-        </p:blipFill>
-        <p:spPr>
-          <a:xfrm>
-            <a:off x="1963294" y="815787"/>
-            <a:ext cx="8265411" cy="3877600"/>
-          </a:xfrm>
-          <a:prstGeom prst="rect">
-            <a:avLst/>
-          </a:prstGeom>
-          <a:ln>
-            <a:solidFill/>
-          </a:ln>
-        </p:spPr>
-      </p:pic>
     </p:spTree>
     <p:extLst>
       <p:ext uri="{BB962C8B-B14F-4D97-AF65-F5344CB8AC3E}">
@@ -6769,7 +6709,7 @@
               <a:rPr kumimoji="1" lang="zh-CN" altLang="en-US" dirty="0">
                 <a:solidFill/>
               </a:rPr>
-              <a:t>扫地机科学与技术</a:t>
+              <a:t>异构多智能体协同</a:t>
             </a:r>
           </a:p>
         </p:txBody>
@@ -6883,7 +6823,7 @@
               <a:rPr kumimoji="1" lang="en-US" altLang="zh-CN" dirty="0" err="1">
                 <a:solidFill/>
               </a:rPr>
-              <a:t>Atomie</a:t>
+              <a:t>zhu</a:t>
             </a:r>
             <a:endParaRPr kumimoji="1" lang="en-US" altLang="zh-CN" dirty="0"/>
           </a:p>
